--- a/with gsm module des opt 3 schematic.pptx
+++ b/with gsm module des opt 3 schematic.pptx
@@ -9,6 +9,7 @@
     <p:sldId id="258" r:id="rId3"/>
     <p:sldId id="259" r:id="rId4"/>
     <p:sldId id="257" r:id="rId5"/>
+    <p:sldId id="260" r:id="rId6"/>
   </p:sldIdLst>
   <p:sldSz cx="12192000" cy="6858000"/>
   <p:notesSz cx="6858000" cy="9144000"/>
@@ -264,7 +265,7 @@
           <a:p>
             <a:fld id="{4DC2F319-748E-48F9-AC95-1118F30D0E78}" type="datetimeFigureOut">
               <a:rPr lang="en-PH" smtClean="0"/>
-              <a:t>12/04/2023</a:t>
+              <a:t>13/04/2023</a:t>
             </a:fld>
             <a:endParaRPr lang="en-PH"/>
           </a:p>
@@ -464,7 +465,7 @@
           <a:p>
             <a:fld id="{4DC2F319-748E-48F9-AC95-1118F30D0E78}" type="datetimeFigureOut">
               <a:rPr lang="en-PH" smtClean="0"/>
-              <a:t>12/04/2023</a:t>
+              <a:t>13/04/2023</a:t>
             </a:fld>
             <a:endParaRPr lang="en-PH"/>
           </a:p>
@@ -674,7 +675,7 @@
           <a:p>
             <a:fld id="{4DC2F319-748E-48F9-AC95-1118F30D0E78}" type="datetimeFigureOut">
               <a:rPr lang="en-PH" smtClean="0"/>
-              <a:t>12/04/2023</a:t>
+              <a:t>13/04/2023</a:t>
             </a:fld>
             <a:endParaRPr lang="en-PH"/>
           </a:p>
@@ -874,7 +875,7 @@
           <a:p>
             <a:fld id="{4DC2F319-748E-48F9-AC95-1118F30D0E78}" type="datetimeFigureOut">
               <a:rPr lang="en-PH" smtClean="0"/>
-              <a:t>12/04/2023</a:t>
+              <a:t>13/04/2023</a:t>
             </a:fld>
             <a:endParaRPr lang="en-PH"/>
           </a:p>
@@ -1150,7 +1151,7 @@
           <a:p>
             <a:fld id="{4DC2F319-748E-48F9-AC95-1118F30D0E78}" type="datetimeFigureOut">
               <a:rPr lang="en-PH" smtClean="0"/>
-              <a:t>12/04/2023</a:t>
+              <a:t>13/04/2023</a:t>
             </a:fld>
             <a:endParaRPr lang="en-PH"/>
           </a:p>
@@ -1418,7 +1419,7 @@
           <a:p>
             <a:fld id="{4DC2F319-748E-48F9-AC95-1118F30D0E78}" type="datetimeFigureOut">
               <a:rPr lang="en-PH" smtClean="0"/>
-              <a:t>12/04/2023</a:t>
+              <a:t>13/04/2023</a:t>
             </a:fld>
             <a:endParaRPr lang="en-PH"/>
           </a:p>
@@ -1833,7 +1834,7 @@
           <a:p>
             <a:fld id="{4DC2F319-748E-48F9-AC95-1118F30D0E78}" type="datetimeFigureOut">
               <a:rPr lang="en-PH" smtClean="0"/>
-              <a:t>12/04/2023</a:t>
+              <a:t>13/04/2023</a:t>
             </a:fld>
             <a:endParaRPr lang="en-PH"/>
           </a:p>
@@ -1975,7 +1976,7 @@
           <a:p>
             <a:fld id="{4DC2F319-748E-48F9-AC95-1118F30D0E78}" type="datetimeFigureOut">
               <a:rPr lang="en-PH" smtClean="0"/>
-              <a:t>12/04/2023</a:t>
+              <a:t>13/04/2023</a:t>
             </a:fld>
             <a:endParaRPr lang="en-PH"/>
           </a:p>
@@ -2088,7 +2089,7 @@
           <a:p>
             <a:fld id="{4DC2F319-748E-48F9-AC95-1118F30D0E78}" type="datetimeFigureOut">
               <a:rPr lang="en-PH" smtClean="0"/>
-              <a:t>12/04/2023</a:t>
+              <a:t>13/04/2023</a:t>
             </a:fld>
             <a:endParaRPr lang="en-PH"/>
           </a:p>
@@ -2401,7 +2402,7 @@
           <a:p>
             <a:fld id="{4DC2F319-748E-48F9-AC95-1118F30D0E78}" type="datetimeFigureOut">
               <a:rPr lang="en-PH" smtClean="0"/>
-              <a:t>12/04/2023</a:t>
+              <a:t>13/04/2023</a:t>
             </a:fld>
             <a:endParaRPr lang="en-PH"/>
           </a:p>
@@ -2690,7 +2691,7 @@
           <a:p>
             <a:fld id="{4DC2F319-748E-48F9-AC95-1118F30D0E78}" type="datetimeFigureOut">
               <a:rPr lang="en-PH" smtClean="0"/>
-              <a:t>12/04/2023</a:t>
+              <a:t>13/04/2023</a:t>
             </a:fld>
             <a:endParaRPr lang="en-PH"/>
           </a:p>
@@ -2933,7 +2934,7 @@
           <a:p>
             <a:fld id="{4DC2F319-748E-48F9-AC95-1118F30D0E78}" type="datetimeFigureOut">
               <a:rPr lang="en-PH" smtClean="0"/>
-              <a:t>12/04/2023</a:t>
+              <a:t>13/04/2023</a:t>
             </a:fld>
             <a:endParaRPr lang="en-PH"/>
           </a:p>
@@ -3445,7 +3446,7 @@
         </p:nvCxnSpPr>
         <p:spPr>
           <a:xfrm flipH="1">
-            <a:off x="7143750" y="3063875"/>
+            <a:off x="7143750" y="3205164"/>
             <a:ext cx="819150" cy="0"/>
           </a:xfrm>
           <a:prstGeom prst="line">
@@ -4059,7 +4060,7 @@
         </p:nvCxnSpPr>
         <p:spPr>
           <a:xfrm flipH="1">
-            <a:off x="7437258" y="3203575"/>
+            <a:off x="7437258" y="3063399"/>
             <a:ext cx="525642" cy="0"/>
           </a:xfrm>
           <a:prstGeom prst="line">
@@ -4103,7 +4104,7 @@
         <p:spPr>
           <a:xfrm flipV="1">
             <a:off x="7437258" y="2368071"/>
-            <a:ext cx="0" cy="835504"/>
+            <a:ext cx="0" cy="695328"/>
           </a:xfrm>
           <a:prstGeom prst="line">
             <a:avLst/>
@@ -4189,7 +4190,7 @@
         <p:spPr>
           <a:xfrm flipV="1">
             <a:off x="7143750" y="2647950"/>
-            <a:ext cx="0" cy="415925"/>
+            <a:ext cx="0" cy="557214"/>
           </a:xfrm>
           <a:prstGeom prst="line">
             <a:avLst/>
@@ -4759,92 +4760,6 @@
           </a:p>
         </p:txBody>
       </p:sp>
-      <p:cxnSp>
-        <p:nvCxnSpPr>
-          <p:cNvPr id="44" name="Straight Connector 43">
-            <a:extLst>
-              <a:ext uri="{FF2B5EF4-FFF2-40B4-BE49-F238E27FC236}">
-                <a16:creationId xmlns:a16="http://schemas.microsoft.com/office/drawing/2014/main" id="{33F41402-3103-BD4B-A2BB-FEBA77D67D4D}"/>
-              </a:ext>
-            </a:extLst>
-          </p:cNvPr>
-          <p:cNvCxnSpPr>
-            <a:cxnSpLocks/>
-          </p:cNvCxnSpPr>
-          <p:nvPr/>
-        </p:nvCxnSpPr>
-        <p:spPr>
-          <a:xfrm>
-            <a:off x="11017250" y="1724025"/>
-            <a:ext cx="0" cy="1573214"/>
-          </a:xfrm>
-          <a:prstGeom prst="line">
-            <a:avLst/>
-          </a:prstGeom>
-          <a:ln w="19050">
-            <a:solidFill>
-              <a:srgbClr val="A9E2CE"/>
-            </a:solidFill>
-          </a:ln>
-        </p:spPr>
-        <p:style>
-          <a:lnRef idx="1">
-            <a:schemeClr val="accent1"/>
-          </a:lnRef>
-          <a:fillRef idx="0">
-            <a:schemeClr val="accent1"/>
-          </a:fillRef>
-          <a:effectRef idx="0">
-            <a:schemeClr val="accent1"/>
-          </a:effectRef>
-          <a:fontRef idx="minor">
-            <a:schemeClr val="tx1"/>
-          </a:fontRef>
-        </p:style>
-      </p:cxnSp>
-      <p:cxnSp>
-        <p:nvCxnSpPr>
-          <p:cNvPr id="46" name="Straight Connector 45">
-            <a:extLst>
-              <a:ext uri="{FF2B5EF4-FFF2-40B4-BE49-F238E27FC236}">
-                <a16:creationId xmlns:a16="http://schemas.microsoft.com/office/drawing/2014/main" id="{12F65D06-880B-839E-D3CC-795AB58C3B69}"/>
-              </a:ext>
-            </a:extLst>
-          </p:cNvPr>
-          <p:cNvCxnSpPr>
-            <a:cxnSpLocks/>
-          </p:cNvCxnSpPr>
-          <p:nvPr/>
-        </p:nvCxnSpPr>
-        <p:spPr>
-          <a:xfrm>
-            <a:off x="9556750" y="1724025"/>
-            <a:ext cx="1460500" cy="0"/>
-          </a:xfrm>
-          <a:prstGeom prst="line">
-            <a:avLst/>
-          </a:prstGeom>
-          <a:ln w="19050">
-            <a:solidFill>
-              <a:srgbClr val="A9E2CE"/>
-            </a:solidFill>
-          </a:ln>
-        </p:spPr>
-        <p:style>
-          <a:lnRef idx="1">
-            <a:schemeClr val="accent1"/>
-          </a:lnRef>
-          <a:fillRef idx="0">
-            <a:schemeClr val="accent1"/>
-          </a:fillRef>
-          <a:effectRef idx="0">
-            <a:schemeClr val="accent1"/>
-          </a:effectRef>
-          <a:fontRef idx="minor">
-            <a:schemeClr val="tx1"/>
-          </a:fontRef>
-        </p:style>
-      </p:cxnSp>
       <p:sp>
         <p:nvSpPr>
           <p:cNvPr id="52" name="Oval 51">
@@ -5091,6 +5006,178 @@
           </a:p>
         </p:txBody>
       </p:sp>
+      <p:cxnSp>
+        <p:nvCxnSpPr>
+          <p:cNvPr id="46" name="Straight Connector 45">
+            <a:extLst>
+              <a:ext uri="{FF2B5EF4-FFF2-40B4-BE49-F238E27FC236}">
+                <a16:creationId xmlns:a16="http://schemas.microsoft.com/office/drawing/2014/main" id="{12F65D06-880B-839E-D3CC-795AB58C3B69}"/>
+              </a:ext>
+            </a:extLst>
+          </p:cNvPr>
+          <p:cNvCxnSpPr>
+            <a:cxnSpLocks/>
+          </p:cNvCxnSpPr>
+          <p:nvPr/>
+        </p:nvCxnSpPr>
+        <p:spPr>
+          <a:xfrm>
+            <a:off x="7530084" y="4852416"/>
+            <a:ext cx="2755646" cy="0"/>
+          </a:xfrm>
+          <a:prstGeom prst="line">
+            <a:avLst/>
+          </a:prstGeom>
+          <a:ln w="19050">
+            <a:solidFill>
+              <a:srgbClr val="A9E2CE"/>
+            </a:solidFill>
+          </a:ln>
+        </p:spPr>
+        <p:style>
+          <a:lnRef idx="1">
+            <a:schemeClr val="accent1"/>
+          </a:lnRef>
+          <a:fillRef idx="0">
+            <a:schemeClr val="accent1"/>
+          </a:fillRef>
+          <a:effectRef idx="0">
+            <a:schemeClr val="accent1"/>
+          </a:effectRef>
+          <a:fontRef idx="minor">
+            <a:schemeClr val="tx1"/>
+          </a:fontRef>
+        </p:style>
+      </p:cxnSp>
+      <p:cxnSp>
+        <p:nvCxnSpPr>
+          <p:cNvPr id="44" name="Straight Connector 43">
+            <a:extLst>
+              <a:ext uri="{FF2B5EF4-FFF2-40B4-BE49-F238E27FC236}">
+                <a16:creationId xmlns:a16="http://schemas.microsoft.com/office/drawing/2014/main" id="{33F41402-3103-BD4B-A2BB-FEBA77D67D4D}"/>
+              </a:ext>
+            </a:extLst>
+          </p:cNvPr>
+          <p:cNvCxnSpPr>
+            <a:cxnSpLocks/>
+          </p:cNvCxnSpPr>
+          <p:nvPr/>
+        </p:nvCxnSpPr>
+        <p:spPr>
+          <a:xfrm>
+            <a:off x="10285730" y="3295650"/>
+            <a:ext cx="0" cy="1556766"/>
+          </a:xfrm>
+          <a:prstGeom prst="line">
+            <a:avLst/>
+          </a:prstGeom>
+          <a:ln w="19050">
+            <a:solidFill>
+              <a:srgbClr val="A9E2CE"/>
+            </a:solidFill>
+          </a:ln>
+        </p:spPr>
+        <p:style>
+          <a:lnRef idx="1">
+            <a:schemeClr val="accent1"/>
+          </a:lnRef>
+          <a:fillRef idx="0">
+            <a:schemeClr val="accent1"/>
+          </a:fillRef>
+          <a:effectRef idx="0">
+            <a:schemeClr val="accent1"/>
+          </a:effectRef>
+          <a:fontRef idx="minor">
+            <a:schemeClr val="tx1"/>
+          </a:fontRef>
+        </p:style>
+      </p:cxnSp>
+      <p:cxnSp>
+        <p:nvCxnSpPr>
+          <p:cNvPr id="28" name="Straight Connector 27">
+            <a:extLst>
+              <a:ext uri="{FF2B5EF4-FFF2-40B4-BE49-F238E27FC236}">
+                <a16:creationId xmlns:a16="http://schemas.microsoft.com/office/drawing/2014/main" id="{8157DE10-EC50-4F5A-965A-5D480F634F58}"/>
+              </a:ext>
+            </a:extLst>
+          </p:cNvPr>
+          <p:cNvCxnSpPr>
+            <a:cxnSpLocks/>
+          </p:cNvCxnSpPr>
+          <p:nvPr/>
+        </p:nvCxnSpPr>
+        <p:spPr>
+          <a:xfrm>
+            <a:off x="10285730" y="3295650"/>
+            <a:ext cx="731520" cy="0"/>
+          </a:xfrm>
+          <a:prstGeom prst="line">
+            <a:avLst/>
+          </a:prstGeom>
+          <a:ln w="19050">
+            <a:solidFill>
+              <a:srgbClr val="A9E2CE"/>
+            </a:solidFill>
+          </a:ln>
+        </p:spPr>
+        <p:style>
+          <a:lnRef idx="1">
+            <a:schemeClr val="accent1"/>
+          </a:lnRef>
+          <a:fillRef idx="0">
+            <a:schemeClr val="accent1"/>
+          </a:fillRef>
+          <a:effectRef idx="0">
+            <a:schemeClr val="accent1"/>
+          </a:effectRef>
+          <a:fontRef idx="minor">
+            <a:schemeClr val="tx1"/>
+          </a:fontRef>
+        </p:style>
+      </p:cxnSp>
+      <p:cxnSp>
+        <p:nvCxnSpPr>
+          <p:cNvPr id="34" name="Straight Connector 33">
+            <a:extLst>
+              <a:ext uri="{FF2B5EF4-FFF2-40B4-BE49-F238E27FC236}">
+                <a16:creationId xmlns:a16="http://schemas.microsoft.com/office/drawing/2014/main" id="{950CE8FF-DBC5-A8CA-8E7E-D78D9B7CDE7D}"/>
+              </a:ext>
+            </a:extLst>
+          </p:cNvPr>
+          <p:cNvCxnSpPr>
+            <a:cxnSpLocks/>
+          </p:cNvCxnSpPr>
+          <p:nvPr/>
+        </p:nvCxnSpPr>
+        <p:spPr>
+          <a:xfrm>
+            <a:off x="7553325" y="4474241"/>
+            <a:ext cx="0" cy="370016"/>
+          </a:xfrm>
+          <a:prstGeom prst="line">
+            <a:avLst/>
+          </a:prstGeom>
+          <a:ln w="12700">
+            <a:solidFill>
+              <a:srgbClr val="A9E2CE"/>
+            </a:solidFill>
+          </a:ln>
+        </p:spPr>
+        <p:style>
+          <a:lnRef idx="1">
+            <a:schemeClr val="accent1"/>
+          </a:lnRef>
+          <a:fillRef idx="0">
+            <a:schemeClr val="accent1"/>
+          </a:fillRef>
+          <a:effectRef idx="0">
+            <a:schemeClr val="accent1"/>
+          </a:effectRef>
+          <a:fontRef idx="minor">
+            <a:schemeClr val="tx1"/>
+          </a:fontRef>
+        </p:style>
+      </p:cxnSp>
     </p:spTree>
     <p:extLst>
       <p:ext uri="{BB962C8B-B14F-4D97-AF65-F5344CB8AC3E}">
@@ -6011,92 +6098,6 @@
           </a:p>
         </p:txBody>
       </p:sp>
-      <p:cxnSp>
-        <p:nvCxnSpPr>
-          <p:cNvPr id="44" name="Straight Connector 43">
-            <a:extLst>
-              <a:ext uri="{FF2B5EF4-FFF2-40B4-BE49-F238E27FC236}">
-                <a16:creationId xmlns:a16="http://schemas.microsoft.com/office/drawing/2014/main" id="{33F41402-3103-BD4B-A2BB-FEBA77D67D4D}"/>
-              </a:ext>
-            </a:extLst>
-          </p:cNvPr>
-          <p:cNvCxnSpPr>
-            <a:cxnSpLocks/>
-          </p:cNvCxnSpPr>
-          <p:nvPr/>
-        </p:nvCxnSpPr>
-        <p:spPr>
-          <a:xfrm>
-            <a:off x="11017250" y="1724025"/>
-            <a:ext cx="0" cy="1573214"/>
-          </a:xfrm>
-          <a:prstGeom prst="line">
-            <a:avLst/>
-          </a:prstGeom>
-          <a:ln w="19050">
-            <a:solidFill>
-              <a:srgbClr val="A9E2CE"/>
-            </a:solidFill>
-          </a:ln>
-        </p:spPr>
-        <p:style>
-          <a:lnRef idx="1">
-            <a:schemeClr val="accent1"/>
-          </a:lnRef>
-          <a:fillRef idx="0">
-            <a:schemeClr val="accent1"/>
-          </a:fillRef>
-          <a:effectRef idx="0">
-            <a:schemeClr val="accent1"/>
-          </a:effectRef>
-          <a:fontRef idx="minor">
-            <a:schemeClr val="tx1"/>
-          </a:fontRef>
-        </p:style>
-      </p:cxnSp>
-      <p:cxnSp>
-        <p:nvCxnSpPr>
-          <p:cNvPr id="46" name="Straight Connector 45">
-            <a:extLst>
-              <a:ext uri="{FF2B5EF4-FFF2-40B4-BE49-F238E27FC236}">
-                <a16:creationId xmlns:a16="http://schemas.microsoft.com/office/drawing/2014/main" id="{12F65D06-880B-839E-D3CC-795AB58C3B69}"/>
-              </a:ext>
-            </a:extLst>
-          </p:cNvPr>
-          <p:cNvCxnSpPr>
-            <a:cxnSpLocks/>
-          </p:cNvCxnSpPr>
-          <p:nvPr/>
-        </p:nvCxnSpPr>
-        <p:spPr>
-          <a:xfrm>
-            <a:off x="9556750" y="1724025"/>
-            <a:ext cx="1460500" cy="0"/>
-          </a:xfrm>
-          <a:prstGeom prst="line">
-            <a:avLst/>
-          </a:prstGeom>
-          <a:ln w="19050">
-            <a:solidFill>
-              <a:srgbClr val="A9E2CE"/>
-            </a:solidFill>
-          </a:ln>
-        </p:spPr>
-        <p:style>
-          <a:lnRef idx="1">
-            <a:schemeClr val="accent1"/>
-          </a:lnRef>
-          <a:fillRef idx="0">
-            <a:schemeClr val="accent1"/>
-          </a:fillRef>
-          <a:effectRef idx="0">
-            <a:schemeClr val="accent1"/>
-          </a:effectRef>
-          <a:fontRef idx="minor">
-            <a:schemeClr val="tx1"/>
-          </a:fontRef>
-        </p:style>
-      </p:cxnSp>
       <p:sp>
         <p:nvSpPr>
           <p:cNvPr id="52" name="Oval 51">
@@ -6397,6 +6398,221 @@
           </a:p>
         </p:txBody>
       </p:sp>
+      <p:cxnSp>
+        <p:nvCxnSpPr>
+          <p:cNvPr id="46" name="Straight Connector 45">
+            <a:extLst>
+              <a:ext uri="{FF2B5EF4-FFF2-40B4-BE49-F238E27FC236}">
+                <a16:creationId xmlns:a16="http://schemas.microsoft.com/office/drawing/2014/main" id="{12F65D06-880B-839E-D3CC-795AB58C3B69}"/>
+              </a:ext>
+            </a:extLst>
+          </p:cNvPr>
+          <p:cNvCxnSpPr>
+            <a:cxnSpLocks/>
+          </p:cNvCxnSpPr>
+          <p:nvPr/>
+        </p:nvCxnSpPr>
+        <p:spPr>
+          <a:xfrm>
+            <a:off x="7710840" y="3873500"/>
+            <a:ext cx="244440" cy="0"/>
+          </a:xfrm>
+          <a:prstGeom prst="line">
+            <a:avLst/>
+          </a:prstGeom>
+          <a:ln w="19050">
+            <a:solidFill>
+              <a:srgbClr val="A9E2CE"/>
+            </a:solidFill>
+          </a:ln>
+        </p:spPr>
+        <p:style>
+          <a:lnRef idx="1">
+            <a:schemeClr val="accent1"/>
+          </a:lnRef>
+          <a:fillRef idx="0">
+            <a:schemeClr val="accent1"/>
+          </a:fillRef>
+          <a:effectRef idx="0">
+            <a:schemeClr val="accent1"/>
+          </a:effectRef>
+          <a:fontRef idx="minor">
+            <a:schemeClr val="tx1"/>
+          </a:fontRef>
+        </p:style>
+      </p:cxnSp>
+      <p:cxnSp>
+        <p:nvCxnSpPr>
+          <p:cNvPr id="44" name="Straight Connector 43">
+            <a:extLst>
+              <a:ext uri="{FF2B5EF4-FFF2-40B4-BE49-F238E27FC236}">
+                <a16:creationId xmlns:a16="http://schemas.microsoft.com/office/drawing/2014/main" id="{33F41402-3103-BD4B-A2BB-FEBA77D67D4D}"/>
+              </a:ext>
+            </a:extLst>
+          </p:cNvPr>
+          <p:cNvCxnSpPr>
+            <a:cxnSpLocks/>
+          </p:cNvCxnSpPr>
+          <p:nvPr/>
+        </p:nvCxnSpPr>
+        <p:spPr>
+          <a:xfrm>
+            <a:off x="7724810" y="3873500"/>
+            <a:ext cx="0" cy="1178321"/>
+          </a:xfrm>
+          <a:prstGeom prst="line">
+            <a:avLst/>
+          </a:prstGeom>
+          <a:ln w="19050">
+            <a:solidFill>
+              <a:srgbClr val="A9E2CE"/>
+            </a:solidFill>
+          </a:ln>
+        </p:spPr>
+        <p:style>
+          <a:lnRef idx="1">
+            <a:schemeClr val="accent1"/>
+          </a:lnRef>
+          <a:fillRef idx="0">
+            <a:schemeClr val="accent1"/>
+          </a:fillRef>
+          <a:effectRef idx="0">
+            <a:schemeClr val="accent1"/>
+          </a:effectRef>
+          <a:fontRef idx="minor">
+            <a:schemeClr val="tx1"/>
+          </a:fontRef>
+        </p:style>
+      </p:cxnSp>
+      <p:cxnSp>
+        <p:nvCxnSpPr>
+          <p:cNvPr id="9" name="Straight Connector 8">
+            <a:extLst>
+              <a:ext uri="{FF2B5EF4-FFF2-40B4-BE49-F238E27FC236}">
+                <a16:creationId xmlns:a16="http://schemas.microsoft.com/office/drawing/2014/main" id="{198E016C-7E8F-EE6A-EB30-33F602F8B137}"/>
+              </a:ext>
+            </a:extLst>
+          </p:cNvPr>
+          <p:cNvCxnSpPr>
+            <a:cxnSpLocks/>
+          </p:cNvCxnSpPr>
+          <p:nvPr/>
+        </p:nvCxnSpPr>
+        <p:spPr>
+          <a:xfrm>
+            <a:off x="7724810" y="5051821"/>
+            <a:ext cx="2650582" cy="0"/>
+          </a:xfrm>
+          <a:prstGeom prst="line">
+            <a:avLst/>
+          </a:prstGeom>
+          <a:ln w="19050">
+            <a:solidFill>
+              <a:srgbClr val="A9E2CE"/>
+            </a:solidFill>
+          </a:ln>
+        </p:spPr>
+        <p:style>
+          <a:lnRef idx="1">
+            <a:schemeClr val="accent1"/>
+          </a:lnRef>
+          <a:fillRef idx="0">
+            <a:schemeClr val="accent1"/>
+          </a:fillRef>
+          <a:effectRef idx="0">
+            <a:schemeClr val="accent1"/>
+          </a:effectRef>
+          <a:fontRef idx="minor">
+            <a:schemeClr val="tx1"/>
+          </a:fontRef>
+        </p:style>
+      </p:cxnSp>
+      <p:cxnSp>
+        <p:nvCxnSpPr>
+          <p:cNvPr id="13" name="Straight Connector 12">
+            <a:extLst>
+              <a:ext uri="{FF2B5EF4-FFF2-40B4-BE49-F238E27FC236}">
+                <a16:creationId xmlns:a16="http://schemas.microsoft.com/office/drawing/2014/main" id="{6ECDBDFA-ED47-D8BB-3F6B-2CB14654D2A4}"/>
+              </a:ext>
+            </a:extLst>
+          </p:cNvPr>
+          <p:cNvCxnSpPr>
+            <a:cxnSpLocks/>
+          </p:cNvCxnSpPr>
+          <p:nvPr/>
+        </p:nvCxnSpPr>
+        <p:spPr>
+          <a:xfrm>
+            <a:off x="10375392" y="3302486"/>
+            <a:ext cx="0" cy="1749335"/>
+          </a:xfrm>
+          <a:prstGeom prst="line">
+            <a:avLst/>
+          </a:prstGeom>
+          <a:ln w="19050">
+            <a:solidFill>
+              <a:srgbClr val="A9E2CE"/>
+            </a:solidFill>
+          </a:ln>
+        </p:spPr>
+        <p:style>
+          <a:lnRef idx="1">
+            <a:schemeClr val="accent1"/>
+          </a:lnRef>
+          <a:fillRef idx="0">
+            <a:schemeClr val="accent1"/>
+          </a:fillRef>
+          <a:effectRef idx="0">
+            <a:schemeClr val="accent1"/>
+          </a:effectRef>
+          <a:fontRef idx="minor">
+            <a:schemeClr val="tx1"/>
+          </a:fontRef>
+        </p:style>
+      </p:cxnSp>
+      <p:cxnSp>
+        <p:nvCxnSpPr>
+          <p:cNvPr id="15" name="Straight Connector 14">
+            <a:extLst>
+              <a:ext uri="{FF2B5EF4-FFF2-40B4-BE49-F238E27FC236}">
+                <a16:creationId xmlns:a16="http://schemas.microsoft.com/office/drawing/2014/main" id="{24EB05E9-7BA1-490F-C3E1-E9A30026F120}"/>
+              </a:ext>
+            </a:extLst>
+          </p:cNvPr>
+          <p:cNvCxnSpPr>
+            <a:cxnSpLocks/>
+          </p:cNvCxnSpPr>
+          <p:nvPr/>
+        </p:nvCxnSpPr>
+        <p:spPr>
+          <a:xfrm>
+            <a:off x="10375392" y="3295650"/>
+            <a:ext cx="654558" cy="6836"/>
+          </a:xfrm>
+          <a:prstGeom prst="line">
+            <a:avLst/>
+          </a:prstGeom>
+          <a:ln w="19050">
+            <a:solidFill>
+              <a:srgbClr val="A9E2CE"/>
+            </a:solidFill>
+          </a:ln>
+        </p:spPr>
+        <p:style>
+          <a:lnRef idx="1">
+            <a:schemeClr val="accent1"/>
+          </a:lnRef>
+          <a:fillRef idx="0">
+            <a:schemeClr val="accent1"/>
+          </a:fillRef>
+          <a:effectRef idx="0">
+            <a:schemeClr val="accent1"/>
+          </a:effectRef>
+          <a:fontRef idx="minor">
+            <a:schemeClr val="tx1"/>
+          </a:fontRef>
+        </p:style>
+      </p:cxnSp>
     </p:spTree>
     <p:extLst>
       <p:ext uri="{BB962C8B-B14F-4D97-AF65-F5344CB8AC3E}">
@@ -6638,7 +6854,7 @@
         </p:blipFill>
         <p:spPr>
           <a:xfrm>
-            <a:off x="0" y="1012217"/>
+            <a:off x="-341376" y="1073917"/>
             <a:ext cx="12192000" cy="4833566"/>
           </a:xfrm>
           <a:prstGeom prst="rect">
@@ -6779,6 +6995,66 @@
     <p:extLst>
       <p:ext uri="{BB962C8B-B14F-4D97-AF65-F5344CB8AC3E}">
         <p14:creationId xmlns:p14="http://schemas.microsoft.com/office/powerpoint/2010/main" val="269351307"/>
+      </p:ext>
+    </p:extLst>
+  </p:cSld>
+  <p:clrMapOvr>
+    <a:masterClrMapping/>
+  </p:clrMapOvr>
+</p:sld>
+</file>
+
+<file path=ppt/slides/slide5.xml><?xml version="1.0" encoding="utf-8"?>
+<p:sld xmlns:a="http://schemas.openxmlformats.org/drawingml/2006/main" xmlns:r="http://schemas.openxmlformats.org/officeDocument/2006/relationships" xmlns:p="http://schemas.openxmlformats.org/presentationml/2006/main">
+  <p:cSld>
+    <p:spTree>
+      <p:nvGrpSpPr>
+        <p:cNvPr id="1" name=""/>
+        <p:cNvGrpSpPr/>
+        <p:nvPr/>
+      </p:nvGrpSpPr>
+      <p:grpSpPr>
+        <a:xfrm>
+          <a:off x="0" y="0"/>
+          <a:ext cx="0" cy="0"/>
+          <a:chOff x="0" y="0"/>
+          <a:chExt cx="0" cy="0"/>
+        </a:xfrm>
+      </p:grpSpPr>
+      <p:pic>
+        <p:nvPicPr>
+          <p:cNvPr id="5" name="Picture 4">
+            <a:extLst>
+              <a:ext uri="{FF2B5EF4-FFF2-40B4-BE49-F238E27FC236}">
+                <a16:creationId xmlns:a16="http://schemas.microsoft.com/office/drawing/2014/main" id="{072BACB9-4FE0-0880-6F73-B8AA2F7509B1}"/>
+              </a:ext>
+            </a:extLst>
+          </p:cNvPr>
+          <p:cNvPicPr>
+            <a:picLocks noChangeAspect="1"/>
+          </p:cNvPicPr>
+          <p:nvPr/>
+        </p:nvPicPr>
+        <p:blipFill>
+          <a:blip r:embed="rId2"/>
+          <a:stretch>
+            <a:fillRect/>
+          </a:stretch>
+        </p:blipFill>
+        <p:spPr>
+          <a:xfrm>
+            <a:off x="123917" y="1210307"/>
+            <a:ext cx="11905138" cy="4629776"/>
+          </a:xfrm>
+          <a:prstGeom prst="rect">
+            <a:avLst/>
+          </a:prstGeom>
+        </p:spPr>
+      </p:pic>
+    </p:spTree>
+    <p:extLst>
+      <p:ext uri="{BB962C8B-B14F-4D97-AF65-F5344CB8AC3E}">
+        <p14:creationId xmlns:p14="http://schemas.microsoft.com/office/powerpoint/2010/main" val="1657421135"/>
       </p:ext>
     </p:extLst>
   </p:cSld>

--- a/with gsm module des opt 3 schematic.pptx
+++ b/with gsm module des opt 3 schematic.pptx
@@ -10,6 +10,7 @@
     <p:sldId id="259" r:id="rId4"/>
     <p:sldId id="257" r:id="rId5"/>
     <p:sldId id="260" r:id="rId6"/>
+    <p:sldId id="261" r:id="rId7"/>
   </p:sldIdLst>
   <p:sldSz cx="12192000" cy="6858000"/>
   <p:notesSz cx="6858000" cy="9144000"/>
@@ -265,7 +266,7 @@
           <a:p>
             <a:fld id="{4DC2F319-748E-48F9-AC95-1118F30D0E78}" type="datetimeFigureOut">
               <a:rPr lang="en-PH" smtClean="0"/>
-              <a:t>13/04/2023</a:t>
+              <a:t>17/04/2023</a:t>
             </a:fld>
             <a:endParaRPr lang="en-PH"/>
           </a:p>
@@ -465,7 +466,7 @@
           <a:p>
             <a:fld id="{4DC2F319-748E-48F9-AC95-1118F30D0E78}" type="datetimeFigureOut">
               <a:rPr lang="en-PH" smtClean="0"/>
-              <a:t>13/04/2023</a:t>
+              <a:t>17/04/2023</a:t>
             </a:fld>
             <a:endParaRPr lang="en-PH"/>
           </a:p>
@@ -675,7 +676,7 @@
           <a:p>
             <a:fld id="{4DC2F319-748E-48F9-AC95-1118F30D0E78}" type="datetimeFigureOut">
               <a:rPr lang="en-PH" smtClean="0"/>
-              <a:t>13/04/2023</a:t>
+              <a:t>17/04/2023</a:t>
             </a:fld>
             <a:endParaRPr lang="en-PH"/>
           </a:p>
@@ -875,7 +876,7 @@
           <a:p>
             <a:fld id="{4DC2F319-748E-48F9-AC95-1118F30D0E78}" type="datetimeFigureOut">
               <a:rPr lang="en-PH" smtClean="0"/>
-              <a:t>13/04/2023</a:t>
+              <a:t>17/04/2023</a:t>
             </a:fld>
             <a:endParaRPr lang="en-PH"/>
           </a:p>
@@ -1151,7 +1152,7 @@
           <a:p>
             <a:fld id="{4DC2F319-748E-48F9-AC95-1118F30D0E78}" type="datetimeFigureOut">
               <a:rPr lang="en-PH" smtClean="0"/>
-              <a:t>13/04/2023</a:t>
+              <a:t>17/04/2023</a:t>
             </a:fld>
             <a:endParaRPr lang="en-PH"/>
           </a:p>
@@ -1419,7 +1420,7 @@
           <a:p>
             <a:fld id="{4DC2F319-748E-48F9-AC95-1118F30D0E78}" type="datetimeFigureOut">
               <a:rPr lang="en-PH" smtClean="0"/>
-              <a:t>13/04/2023</a:t>
+              <a:t>17/04/2023</a:t>
             </a:fld>
             <a:endParaRPr lang="en-PH"/>
           </a:p>
@@ -1834,7 +1835,7 @@
           <a:p>
             <a:fld id="{4DC2F319-748E-48F9-AC95-1118F30D0E78}" type="datetimeFigureOut">
               <a:rPr lang="en-PH" smtClean="0"/>
-              <a:t>13/04/2023</a:t>
+              <a:t>17/04/2023</a:t>
             </a:fld>
             <a:endParaRPr lang="en-PH"/>
           </a:p>
@@ -1976,7 +1977,7 @@
           <a:p>
             <a:fld id="{4DC2F319-748E-48F9-AC95-1118F30D0E78}" type="datetimeFigureOut">
               <a:rPr lang="en-PH" smtClean="0"/>
-              <a:t>13/04/2023</a:t>
+              <a:t>17/04/2023</a:t>
             </a:fld>
             <a:endParaRPr lang="en-PH"/>
           </a:p>
@@ -2089,7 +2090,7 @@
           <a:p>
             <a:fld id="{4DC2F319-748E-48F9-AC95-1118F30D0E78}" type="datetimeFigureOut">
               <a:rPr lang="en-PH" smtClean="0"/>
-              <a:t>13/04/2023</a:t>
+              <a:t>17/04/2023</a:t>
             </a:fld>
             <a:endParaRPr lang="en-PH"/>
           </a:p>
@@ -2402,7 +2403,7 @@
           <a:p>
             <a:fld id="{4DC2F319-748E-48F9-AC95-1118F30D0E78}" type="datetimeFigureOut">
               <a:rPr lang="en-PH" smtClean="0"/>
-              <a:t>13/04/2023</a:t>
+              <a:t>17/04/2023</a:t>
             </a:fld>
             <a:endParaRPr lang="en-PH"/>
           </a:p>
@@ -2691,7 +2692,7 @@
           <a:p>
             <a:fld id="{4DC2F319-748E-48F9-AC95-1118F30D0E78}" type="datetimeFigureOut">
               <a:rPr lang="en-PH" smtClean="0"/>
-              <a:t>13/04/2023</a:t>
+              <a:t>17/04/2023</a:t>
             </a:fld>
             <a:endParaRPr lang="en-PH"/>
           </a:p>
@@ -2934,7 +2935,7 @@
           <a:p>
             <a:fld id="{4DC2F319-748E-48F9-AC95-1118F30D0E78}" type="datetimeFigureOut">
               <a:rPr lang="en-PH" smtClean="0"/>
-              <a:t>13/04/2023</a:t>
+              <a:t>17/04/2023</a:t>
             </a:fld>
             <a:endParaRPr lang="en-PH"/>
           </a:p>
@@ -3559,135 +3560,6 @@
           </a:fontRef>
         </p:style>
       </p:cxnSp>
-      <p:cxnSp>
-        <p:nvCxnSpPr>
-          <p:cNvPr id="20" name="Straight Connector 19">
-            <a:extLst>
-              <a:ext uri="{FF2B5EF4-FFF2-40B4-BE49-F238E27FC236}">
-                <a16:creationId xmlns:a16="http://schemas.microsoft.com/office/drawing/2014/main" id="{2BEF05DE-C490-99DF-1264-8FBF4ADB34ED}"/>
-              </a:ext>
-            </a:extLst>
-          </p:cNvPr>
-          <p:cNvCxnSpPr>
-            <a:cxnSpLocks/>
-          </p:cNvCxnSpPr>
-          <p:nvPr/>
-        </p:nvCxnSpPr>
-        <p:spPr>
-          <a:xfrm flipV="1">
-            <a:off x="6180137" y="2202492"/>
-            <a:ext cx="0" cy="369258"/>
-          </a:xfrm>
-          <a:prstGeom prst="line">
-            <a:avLst/>
-          </a:prstGeom>
-          <a:ln w="19050">
-            <a:solidFill>
-              <a:srgbClr val="A9E2CE"/>
-            </a:solidFill>
-          </a:ln>
-        </p:spPr>
-        <p:style>
-          <a:lnRef idx="1">
-            <a:schemeClr val="accent1"/>
-          </a:lnRef>
-          <a:fillRef idx="0">
-            <a:schemeClr val="accent1"/>
-          </a:fillRef>
-          <a:effectRef idx="0">
-            <a:schemeClr val="accent1"/>
-          </a:effectRef>
-          <a:fontRef idx="minor">
-            <a:schemeClr val="tx1"/>
-          </a:fontRef>
-        </p:style>
-      </p:cxnSp>
-      <p:cxnSp>
-        <p:nvCxnSpPr>
-          <p:cNvPr id="22" name="Straight Connector 21">
-            <a:extLst>
-              <a:ext uri="{FF2B5EF4-FFF2-40B4-BE49-F238E27FC236}">
-                <a16:creationId xmlns:a16="http://schemas.microsoft.com/office/drawing/2014/main" id="{422CE02E-54A3-3F3F-595D-E569B73DA421}"/>
-              </a:ext>
-            </a:extLst>
-          </p:cNvPr>
-          <p:cNvCxnSpPr>
-            <a:cxnSpLocks/>
-          </p:cNvCxnSpPr>
-          <p:nvPr/>
-        </p:nvCxnSpPr>
-        <p:spPr>
-          <a:xfrm flipH="1">
-            <a:off x="5754687" y="2571750"/>
-            <a:ext cx="1065213" cy="0"/>
-          </a:xfrm>
-          <a:prstGeom prst="line">
-            <a:avLst/>
-          </a:prstGeom>
-          <a:ln w="19050">
-            <a:solidFill>
-              <a:srgbClr val="A9E2CE"/>
-            </a:solidFill>
-          </a:ln>
-        </p:spPr>
-        <p:style>
-          <a:lnRef idx="1">
-            <a:schemeClr val="accent1"/>
-          </a:lnRef>
-          <a:fillRef idx="0">
-            <a:schemeClr val="accent1"/>
-          </a:fillRef>
-          <a:effectRef idx="0">
-            <a:schemeClr val="accent1"/>
-          </a:effectRef>
-          <a:fontRef idx="minor">
-            <a:schemeClr val="tx1"/>
-          </a:fontRef>
-        </p:style>
-      </p:cxnSp>
-      <p:cxnSp>
-        <p:nvCxnSpPr>
-          <p:cNvPr id="24" name="Straight Connector 23">
-            <a:extLst>
-              <a:ext uri="{FF2B5EF4-FFF2-40B4-BE49-F238E27FC236}">
-                <a16:creationId xmlns:a16="http://schemas.microsoft.com/office/drawing/2014/main" id="{4EFDC24A-50B2-5573-5EEB-89E4A14A8470}"/>
-              </a:ext>
-            </a:extLst>
-          </p:cNvPr>
-          <p:cNvCxnSpPr>
-            <a:cxnSpLocks/>
-          </p:cNvCxnSpPr>
-          <p:nvPr/>
-        </p:nvCxnSpPr>
-        <p:spPr>
-          <a:xfrm flipV="1">
-            <a:off x="6818312" y="2571750"/>
-            <a:ext cx="0" cy="2652713"/>
-          </a:xfrm>
-          <a:prstGeom prst="line">
-            <a:avLst/>
-          </a:prstGeom>
-          <a:ln w="19050">
-            <a:solidFill>
-              <a:srgbClr val="A9E2CE"/>
-            </a:solidFill>
-          </a:ln>
-        </p:spPr>
-        <p:style>
-          <a:lnRef idx="1">
-            <a:schemeClr val="accent1"/>
-          </a:lnRef>
-          <a:fillRef idx="0">
-            <a:schemeClr val="accent1"/>
-          </a:fillRef>
-          <a:effectRef idx="0">
-            <a:schemeClr val="accent1"/>
-          </a:effectRef>
-          <a:fontRef idx="minor">
-            <a:schemeClr val="tx1"/>
-          </a:fontRef>
-        </p:style>
-      </p:cxnSp>
       <p:sp>
         <p:nvSpPr>
           <p:cNvPr id="26" name="Oval 25">
@@ -3808,239 +3680,6 @@
                 <a:srgbClr val="FF0000"/>
               </a:solidFill>
             </a:endParaRPr>
-          </a:p>
-        </p:txBody>
-      </p:sp>
-      <p:cxnSp>
-        <p:nvCxnSpPr>
-          <p:cNvPr id="2" name="Straight Connector 1">
-            <a:extLst>
-              <a:ext uri="{FF2B5EF4-FFF2-40B4-BE49-F238E27FC236}">
-                <a16:creationId xmlns:a16="http://schemas.microsoft.com/office/drawing/2014/main" id="{6FDF172D-05FE-A86C-C78D-D16AAD91BC3C}"/>
-              </a:ext>
-            </a:extLst>
-          </p:cNvPr>
-          <p:cNvCxnSpPr>
-            <a:cxnSpLocks/>
-          </p:cNvCxnSpPr>
-          <p:nvPr/>
-        </p:nvCxnSpPr>
-        <p:spPr>
-          <a:xfrm flipV="1">
-            <a:off x="5754687" y="2212496"/>
-            <a:ext cx="0" cy="369258"/>
-          </a:xfrm>
-          <a:prstGeom prst="line">
-            <a:avLst/>
-          </a:prstGeom>
-          <a:ln w="19050">
-            <a:solidFill>
-              <a:srgbClr val="A9E2CE"/>
-            </a:solidFill>
-          </a:ln>
-        </p:spPr>
-        <p:style>
-          <a:lnRef idx="1">
-            <a:schemeClr val="accent1"/>
-          </a:lnRef>
-          <a:fillRef idx="0">
-            <a:schemeClr val="accent1"/>
-          </a:fillRef>
-          <a:effectRef idx="0">
-            <a:schemeClr val="accent1"/>
-          </a:effectRef>
-          <a:fontRef idx="minor">
-            <a:schemeClr val="tx1"/>
-          </a:fontRef>
-        </p:style>
-      </p:cxnSp>
-      <p:cxnSp>
-        <p:nvCxnSpPr>
-          <p:cNvPr id="4" name="Straight Connector 3">
-            <a:extLst>
-              <a:ext uri="{FF2B5EF4-FFF2-40B4-BE49-F238E27FC236}">
-                <a16:creationId xmlns:a16="http://schemas.microsoft.com/office/drawing/2014/main" id="{B0A87DAA-4BBA-645A-28E2-F8D885C19171}"/>
-              </a:ext>
-            </a:extLst>
-          </p:cNvPr>
-          <p:cNvCxnSpPr>
-            <a:cxnSpLocks/>
-          </p:cNvCxnSpPr>
-          <p:nvPr/>
-        </p:nvCxnSpPr>
-        <p:spPr>
-          <a:xfrm flipV="1">
-            <a:off x="6275387" y="2202492"/>
-            <a:ext cx="0" cy="274008"/>
-          </a:xfrm>
-          <a:prstGeom prst="line">
-            <a:avLst/>
-          </a:prstGeom>
-          <a:ln w="19050">
-            <a:solidFill>
-              <a:srgbClr val="A9E2CE"/>
-            </a:solidFill>
-          </a:ln>
-        </p:spPr>
-        <p:style>
-          <a:lnRef idx="1">
-            <a:schemeClr val="accent1"/>
-          </a:lnRef>
-          <a:fillRef idx="0">
-            <a:schemeClr val="accent1"/>
-          </a:fillRef>
-          <a:effectRef idx="0">
-            <a:schemeClr val="accent1"/>
-          </a:effectRef>
-          <a:fontRef idx="minor">
-            <a:schemeClr val="tx1"/>
-          </a:fontRef>
-        </p:style>
-      </p:cxnSp>
-      <p:cxnSp>
-        <p:nvCxnSpPr>
-          <p:cNvPr id="8" name="Straight Connector 7">
-            <a:extLst>
-              <a:ext uri="{FF2B5EF4-FFF2-40B4-BE49-F238E27FC236}">
-                <a16:creationId xmlns:a16="http://schemas.microsoft.com/office/drawing/2014/main" id="{8B4DF4B8-E109-5A23-217F-13C8670A36D6}"/>
-              </a:ext>
-            </a:extLst>
-          </p:cNvPr>
-          <p:cNvCxnSpPr>
-            <a:cxnSpLocks/>
-          </p:cNvCxnSpPr>
-          <p:nvPr/>
-        </p:nvCxnSpPr>
-        <p:spPr>
-          <a:xfrm flipH="1">
-            <a:off x="6275387" y="2460625"/>
-            <a:ext cx="614363" cy="0"/>
-          </a:xfrm>
-          <a:prstGeom prst="line">
-            <a:avLst/>
-          </a:prstGeom>
-          <a:ln w="19050">
-            <a:solidFill>
-              <a:srgbClr val="A9E2CE"/>
-            </a:solidFill>
-          </a:ln>
-        </p:spPr>
-        <p:style>
-          <a:lnRef idx="1">
-            <a:schemeClr val="accent1"/>
-          </a:lnRef>
-          <a:fillRef idx="0">
-            <a:schemeClr val="accent1"/>
-          </a:fillRef>
-          <a:effectRef idx="0">
-            <a:schemeClr val="accent1"/>
-          </a:effectRef>
-          <a:fontRef idx="minor">
-            <a:schemeClr val="tx1"/>
-          </a:fontRef>
-        </p:style>
-      </p:cxnSp>
-      <p:sp>
-        <p:nvSpPr>
-          <p:cNvPr id="11" name="Oval 10">
-            <a:extLst>
-              <a:ext uri="{FF2B5EF4-FFF2-40B4-BE49-F238E27FC236}">
-                <a16:creationId xmlns:a16="http://schemas.microsoft.com/office/drawing/2014/main" id="{3F8E16DE-E5ED-2856-C972-967EFBF1D18E}"/>
-              </a:ext>
-            </a:extLst>
-          </p:cNvPr>
-          <p:cNvSpPr/>
-          <p:nvPr/>
-        </p:nvSpPr>
-        <p:spPr>
-          <a:xfrm>
-            <a:off x="6162039" y="2540953"/>
-            <a:ext cx="45719" cy="45719"/>
-          </a:xfrm>
-          <a:prstGeom prst="ellipse">
-            <a:avLst/>
-          </a:prstGeom>
-          <a:noFill/>
-          <a:ln w="19050">
-            <a:solidFill>
-              <a:srgbClr val="A9E2CE"/>
-            </a:solidFill>
-          </a:ln>
-        </p:spPr>
-        <p:style>
-          <a:lnRef idx="2">
-            <a:schemeClr val="accent1">
-              <a:shade val="50000"/>
-            </a:schemeClr>
-          </a:lnRef>
-          <a:fillRef idx="1">
-            <a:schemeClr val="accent1"/>
-          </a:fillRef>
-          <a:effectRef idx="0">
-            <a:schemeClr val="accent1"/>
-          </a:effectRef>
-          <a:fontRef idx="minor">
-            <a:schemeClr val="lt1"/>
-          </a:fontRef>
-        </p:style>
-        <p:txBody>
-          <a:bodyPr rtlCol="0" anchor="ctr"/>
-          <a:lstStyle/>
-          <a:p>
-            <a:pPr algn="ctr"/>
-            <a:endParaRPr lang="en-PH"/>
-          </a:p>
-        </p:txBody>
-      </p:sp>
-      <p:sp>
-        <p:nvSpPr>
-          <p:cNvPr id="12" name="Oval 11">
-            <a:extLst>
-              <a:ext uri="{FF2B5EF4-FFF2-40B4-BE49-F238E27FC236}">
-                <a16:creationId xmlns:a16="http://schemas.microsoft.com/office/drawing/2014/main" id="{04260ECF-1B8C-524A-6BD4-8888E3EFB59E}"/>
-              </a:ext>
-            </a:extLst>
-          </p:cNvPr>
-          <p:cNvSpPr/>
-          <p:nvPr/>
-        </p:nvSpPr>
-        <p:spPr>
-          <a:xfrm>
-            <a:off x="6855323" y="2453640"/>
-            <a:ext cx="45719" cy="45719"/>
-          </a:xfrm>
-          <a:prstGeom prst="ellipse">
-            <a:avLst/>
-          </a:prstGeom>
-          <a:noFill/>
-          <a:ln w="19050">
-            <a:solidFill>
-              <a:srgbClr val="A9E2CE"/>
-            </a:solidFill>
-          </a:ln>
-        </p:spPr>
-        <p:style>
-          <a:lnRef idx="2">
-            <a:schemeClr val="accent1">
-              <a:shade val="50000"/>
-            </a:schemeClr>
-          </a:lnRef>
-          <a:fillRef idx="1">
-            <a:schemeClr val="accent1"/>
-          </a:fillRef>
-          <a:effectRef idx="0">
-            <a:schemeClr val="accent1"/>
-          </a:effectRef>
-          <a:fontRef idx="minor">
-            <a:schemeClr val="lt1"/>
-          </a:fontRef>
-        </p:style>
-        <p:txBody>
-          <a:bodyPr rtlCol="0" anchor="ctr"/>
-          <a:lstStyle/>
-          <a:p>
-            <a:pPr algn="ctr"/>
-            <a:endParaRPr lang="en-PH"/>
           </a:p>
         </p:txBody>
       </p:sp>
@@ -7055,6 +6694,179 @@
     <p:extLst>
       <p:ext uri="{BB962C8B-B14F-4D97-AF65-F5344CB8AC3E}">
         <p14:creationId xmlns:p14="http://schemas.microsoft.com/office/powerpoint/2010/main" val="1657421135"/>
+      </p:ext>
+    </p:extLst>
+  </p:cSld>
+  <p:clrMapOvr>
+    <a:masterClrMapping/>
+  </p:clrMapOvr>
+</p:sld>
+</file>
+
+<file path=ppt/slides/slide6.xml><?xml version="1.0" encoding="utf-8"?>
+<p:sld xmlns:a="http://schemas.openxmlformats.org/drawingml/2006/main" xmlns:r="http://schemas.openxmlformats.org/officeDocument/2006/relationships" xmlns:p="http://schemas.openxmlformats.org/presentationml/2006/main">
+  <p:cSld>
+    <p:spTree>
+      <p:nvGrpSpPr>
+        <p:cNvPr id="1" name=""/>
+        <p:cNvGrpSpPr/>
+        <p:nvPr/>
+      </p:nvGrpSpPr>
+      <p:grpSpPr>
+        <a:xfrm>
+          <a:off x="0" y="0"/>
+          <a:ext cx="0" cy="0"/>
+          <a:chOff x="0" y="0"/>
+          <a:chExt cx="0" cy="0"/>
+        </a:xfrm>
+      </p:grpSpPr>
+      <p:sp>
+        <p:nvSpPr>
+          <p:cNvPr id="6" name="TextBox 5">
+            <a:extLst>
+              <a:ext uri="{FF2B5EF4-FFF2-40B4-BE49-F238E27FC236}">
+                <a16:creationId xmlns:a16="http://schemas.microsoft.com/office/drawing/2014/main" id="{B52DDBB0-063D-B498-4BD6-B115AA7910CA}"/>
+              </a:ext>
+            </a:extLst>
+          </p:cNvPr>
+          <p:cNvSpPr txBox="1"/>
+          <p:nvPr/>
+        </p:nvSpPr>
+        <p:spPr>
+          <a:xfrm>
+            <a:off x="555171" y="285750"/>
+            <a:ext cx="1273629" cy="369332"/>
+          </a:xfrm>
+          <a:prstGeom prst="rect">
+            <a:avLst/>
+          </a:prstGeom>
+          <a:noFill/>
+        </p:spPr>
+        <p:txBody>
+          <a:bodyPr wrap="square" rtlCol="0">
+            <a:spAutoFit/>
+          </a:bodyPr>
+          <a:lstStyle/>
+          <a:p>
+            <a:r>
+              <a:rPr lang="en-US" dirty="0"/>
+              <a:t>Updated</a:t>
+            </a:r>
+            <a:endParaRPr lang="en-PH" dirty="0"/>
+          </a:p>
+        </p:txBody>
+      </p:sp>
+      <p:pic>
+        <p:nvPicPr>
+          <p:cNvPr id="8" name="Picture 7">
+            <a:extLst>
+              <a:ext uri="{FF2B5EF4-FFF2-40B4-BE49-F238E27FC236}">
+                <a16:creationId xmlns:a16="http://schemas.microsoft.com/office/drawing/2014/main" id="{0F916D7C-58B6-2C30-E729-68BA0609D1C6}"/>
+              </a:ext>
+            </a:extLst>
+          </p:cNvPr>
+          <p:cNvPicPr>
+            <a:picLocks noChangeAspect="1"/>
+          </p:cNvPicPr>
+          <p:nvPr/>
+        </p:nvPicPr>
+        <p:blipFill>
+          <a:blip r:embed="rId2"/>
+          <a:stretch>
+            <a:fillRect/>
+          </a:stretch>
+        </p:blipFill>
+        <p:spPr>
+          <a:xfrm>
+            <a:off x="0" y="995777"/>
+            <a:ext cx="12192000" cy="4866446"/>
+          </a:xfrm>
+          <a:prstGeom prst="rect">
+            <a:avLst/>
+          </a:prstGeom>
+        </p:spPr>
+      </p:pic>
+      <p:sp>
+        <p:nvSpPr>
+          <p:cNvPr id="9" name="TextBox 8">
+            <a:extLst>
+              <a:ext uri="{FF2B5EF4-FFF2-40B4-BE49-F238E27FC236}">
+                <a16:creationId xmlns:a16="http://schemas.microsoft.com/office/drawing/2014/main" id="{A2A3D8F6-07FF-E889-04F2-BD8AAC7043C1}"/>
+              </a:ext>
+            </a:extLst>
+          </p:cNvPr>
+          <p:cNvSpPr txBox="1"/>
+          <p:nvPr/>
+        </p:nvSpPr>
+        <p:spPr>
+          <a:xfrm>
+            <a:off x="5540915" y="1666875"/>
+            <a:ext cx="938719" cy="297624"/>
+          </a:xfrm>
+          <a:prstGeom prst="rect">
+            <a:avLst/>
+          </a:prstGeom>
+          <a:solidFill>
+            <a:schemeClr val="bg1"/>
+          </a:solidFill>
+          <a:ln>
+            <a:noFill/>
+          </a:ln>
+        </p:spPr>
+        <p:txBody>
+          <a:bodyPr vert="vert270" wrap="square" rtlCol="0">
+            <a:spAutoFit/>
+          </a:bodyPr>
+          <a:lstStyle/>
+          <a:p>
+            <a:r>
+              <a:rPr lang="en-US" sz="700" dirty="0"/>
+              <a:t>RST</a:t>
+            </a:r>
+          </a:p>
+          <a:p>
+            <a:r>
+              <a:rPr lang="en-US" sz="700" dirty="0"/>
+              <a:t>GND</a:t>
+            </a:r>
+          </a:p>
+          <a:p>
+            <a:r>
+              <a:rPr lang="en-US" sz="700" dirty="0"/>
+              <a:t>RX</a:t>
+            </a:r>
+          </a:p>
+          <a:p>
+            <a:r>
+              <a:rPr lang="en-US" sz="700" dirty="0"/>
+              <a:t>TX</a:t>
+            </a:r>
+          </a:p>
+          <a:p>
+            <a:r>
+              <a:rPr lang="en-US" sz="700" dirty="0"/>
+              <a:t>VDD</a:t>
+            </a:r>
+          </a:p>
+          <a:p>
+            <a:r>
+              <a:rPr lang="en-US" sz="700" dirty="0"/>
+              <a:t>GND</a:t>
+            </a:r>
+          </a:p>
+          <a:p>
+            <a:r>
+              <a:rPr lang="en-US" sz="700" dirty="0"/>
+              <a:t>VCC</a:t>
+            </a:r>
+            <a:endParaRPr lang="en-PH" sz="900" dirty="0"/>
+          </a:p>
+        </p:txBody>
+      </p:sp>
+    </p:spTree>
+    <p:extLst>
+      <p:ext uri="{BB962C8B-B14F-4D97-AF65-F5344CB8AC3E}">
+        <p14:creationId xmlns:p14="http://schemas.microsoft.com/office/powerpoint/2010/main" val="1387867105"/>
       </p:ext>
     </p:extLst>
   </p:cSld>

--- a/with gsm module des opt 3 schematic.pptx
+++ b/with gsm module des opt 3 schematic.pptx
@@ -11,6 +11,7 @@
     <p:sldId id="257" r:id="rId5"/>
     <p:sldId id="260" r:id="rId6"/>
     <p:sldId id="261" r:id="rId7"/>
+    <p:sldId id="262" r:id="rId8"/>
   </p:sldIdLst>
   <p:sldSz cx="12192000" cy="6858000"/>
   <p:notesSz cx="6858000" cy="9144000"/>
@@ -266,7 +267,7 @@
           <a:p>
             <a:fld id="{4DC2F319-748E-48F9-AC95-1118F30D0E78}" type="datetimeFigureOut">
               <a:rPr lang="en-PH" smtClean="0"/>
-              <a:t>17/04/2023</a:t>
+              <a:t>20/04/2023</a:t>
             </a:fld>
             <a:endParaRPr lang="en-PH"/>
           </a:p>
@@ -466,7 +467,7 @@
           <a:p>
             <a:fld id="{4DC2F319-748E-48F9-AC95-1118F30D0E78}" type="datetimeFigureOut">
               <a:rPr lang="en-PH" smtClean="0"/>
-              <a:t>17/04/2023</a:t>
+              <a:t>20/04/2023</a:t>
             </a:fld>
             <a:endParaRPr lang="en-PH"/>
           </a:p>
@@ -676,7 +677,7 @@
           <a:p>
             <a:fld id="{4DC2F319-748E-48F9-AC95-1118F30D0E78}" type="datetimeFigureOut">
               <a:rPr lang="en-PH" smtClean="0"/>
-              <a:t>17/04/2023</a:t>
+              <a:t>20/04/2023</a:t>
             </a:fld>
             <a:endParaRPr lang="en-PH"/>
           </a:p>
@@ -876,7 +877,7 @@
           <a:p>
             <a:fld id="{4DC2F319-748E-48F9-AC95-1118F30D0E78}" type="datetimeFigureOut">
               <a:rPr lang="en-PH" smtClean="0"/>
-              <a:t>17/04/2023</a:t>
+              <a:t>20/04/2023</a:t>
             </a:fld>
             <a:endParaRPr lang="en-PH"/>
           </a:p>
@@ -1152,7 +1153,7 @@
           <a:p>
             <a:fld id="{4DC2F319-748E-48F9-AC95-1118F30D0E78}" type="datetimeFigureOut">
               <a:rPr lang="en-PH" smtClean="0"/>
-              <a:t>17/04/2023</a:t>
+              <a:t>20/04/2023</a:t>
             </a:fld>
             <a:endParaRPr lang="en-PH"/>
           </a:p>
@@ -1420,7 +1421,7 @@
           <a:p>
             <a:fld id="{4DC2F319-748E-48F9-AC95-1118F30D0E78}" type="datetimeFigureOut">
               <a:rPr lang="en-PH" smtClean="0"/>
-              <a:t>17/04/2023</a:t>
+              <a:t>20/04/2023</a:t>
             </a:fld>
             <a:endParaRPr lang="en-PH"/>
           </a:p>
@@ -1835,7 +1836,7 @@
           <a:p>
             <a:fld id="{4DC2F319-748E-48F9-AC95-1118F30D0E78}" type="datetimeFigureOut">
               <a:rPr lang="en-PH" smtClean="0"/>
-              <a:t>17/04/2023</a:t>
+              <a:t>20/04/2023</a:t>
             </a:fld>
             <a:endParaRPr lang="en-PH"/>
           </a:p>
@@ -1977,7 +1978,7 @@
           <a:p>
             <a:fld id="{4DC2F319-748E-48F9-AC95-1118F30D0E78}" type="datetimeFigureOut">
               <a:rPr lang="en-PH" smtClean="0"/>
-              <a:t>17/04/2023</a:t>
+              <a:t>20/04/2023</a:t>
             </a:fld>
             <a:endParaRPr lang="en-PH"/>
           </a:p>
@@ -2090,7 +2091,7 @@
           <a:p>
             <a:fld id="{4DC2F319-748E-48F9-AC95-1118F30D0E78}" type="datetimeFigureOut">
               <a:rPr lang="en-PH" smtClean="0"/>
-              <a:t>17/04/2023</a:t>
+              <a:t>20/04/2023</a:t>
             </a:fld>
             <a:endParaRPr lang="en-PH"/>
           </a:p>
@@ -2403,7 +2404,7 @@
           <a:p>
             <a:fld id="{4DC2F319-748E-48F9-AC95-1118F30D0E78}" type="datetimeFigureOut">
               <a:rPr lang="en-PH" smtClean="0"/>
-              <a:t>17/04/2023</a:t>
+              <a:t>20/04/2023</a:t>
             </a:fld>
             <a:endParaRPr lang="en-PH"/>
           </a:p>
@@ -2692,7 +2693,7 @@
           <a:p>
             <a:fld id="{4DC2F319-748E-48F9-AC95-1118F30D0E78}" type="datetimeFigureOut">
               <a:rPr lang="en-PH" smtClean="0"/>
-              <a:t>17/04/2023</a:t>
+              <a:t>20/04/2023</a:t>
             </a:fld>
             <a:endParaRPr lang="en-PH"/>
           </a:p>
@@ -2935,7 +2936,7 @@
           <a:p>
             <a:fld id="{4DC2F319-748E-48F9-AC95-1118F30D0E78}" type="datetimeFigureOut">
               <a:rPr lang="en-PH" smtClean="0"/>
-              <a:t>17/04/2023</a:t>
+              <a:t>20/04/2023</a:t>
             </a:fld>
             <a:endParaRPr lang="en-PH"/>
           </a:p>
@@ -6876,6 +6877,66 @@
 </p:sld>
 </file>
 
+<file path=ppt/slides/slide7.xml><?xml version="1.0" encoding="utf-8"?>
+<p:sld xmlns:a="http://schemas.openxmlformats.org/drawingml/2006/main" xmlns:r="http://schemas.openxmlformats.org/officeDocument/2006/relationships" xmlns:p="http://schemas.openxmlformats.org/presentationml/2006/main">
+  <p:cSld>
+    <p:spTree>
+      <p:nvGrpSpPr>
+        <p:cNvPr id="1" name=""/>
+        <p:cNvGrpSpPr/>
+        <p:nvPr/>
+      </p:nvGrpSpPr>
+      <p:grpSpPr>
+        <a:xfrm>
+          <a:off x="0" y="0"/>
+          <a:ext cx="0" cy="0"/>
+          <a:chOff x="0" y="0"/>
+          <a:chExt cx="0" cy="0"/>
+        </a:xfrm>
+      </p:grpSpPr>
+      <p:pic>
+        <p:nvPicPr>
+          <p:cNvPr id="5" name="Picture 4">
+            <a:extLst>
+              <a:ext uri="{FF2B5EF4-FFF2-40B4-BE49-F238E27FC236}">
+                <a16:creationId xmlns:a16="http://schemas.microsoft.com/office/drawing/2014/main" id="{EBE3BF15-AC4A-553A-C25F-5A626E09ED76}"/>
+              </a:ext>
+            </a:extLst>
+          </p:cNvPr>
+          <p:cNvPicPr>
+            <a:picLocks noChangeAspect="1"/>
+          </p:cNvPicPr>
+          <p:nvPr/>
+        </p:nvPicPr>
+        <p:blipFill>
+          <a:blip r:embed="rId2"/>
+          <a:stretch>
+            <a:fillRect/>
+          </a:stretch>
+        </p:blipFill>
+        <p:spPr>
+          <a:xfrm>
+            <a:off x="1916068" y="1554317"/>
+            <a:ext cx="8359864" cy="3749365"/>
+          </a:xfrm>
+          <a:prstGeom prst="rect">
+            <a:avLst/>
+          </a:prstGeom>
+        </p:spPr>
+      </p:pic>
+    </p:spTree>
+    <p:extLst>
+      <p:ext uri="{BB962C8B-B14F-4D97-AF65-F5344CB8AC3E}">
+        <p14:creationId xmlns:p14="http://schemas.microsoft.com/office/powerpoint/2010/main" val="4099813859"/>
+      </p:ext>
+    </p:extLst>
+  </p:cSld>
+  <p:clrMapOvr>
+    <a:masterClrMapping/>
+  </p:clrMapOvr>
+</p:sld>
+</file>
+
 <file path=ppt/theme/theme1.xml><?xml version="1.0" encoding="utf-8"?>
 <a:theme xmlns:a="http://schemas.openxmlformats.org/drawingml/2006/main" name="Office Theme">
   <a:themeElements>

--- a/with gsm module des opt 3 schematic.pptx
+++ b/with gsm module des opt 3 schematic.pptx
@@ -267,7 +267,7 @@
           <a:p>
             <a:fld id="{4DC2F319-748E-48F9-AC95-1118F30D0E78}" type="datetimeFigureOut">
               <a:rPr lang="en-PH" smtClean="0"/>
-              <a:t>20/04/2023</a:t>
+              <a:t>20/05/2023</a:t>
             </a:fld>
             <a:endParaRPr lang="en-PH"/>
           </a:p>
@@ -467,7 +467,7 @@
           <a:p>
             <a:fld id="{4DC2F319-748E-48F9-AC95-1118F30D0E78}" type="datetimeFigureOut">
               <a:rPr lang="en-PH" smtClean="0"/>
-              <a:t>20/04/2023</a:t>
+              <a:t>20/05/2023</a:t>
             </a:fld>
             <a:endParaRPr lang="en-PH"/>
           </a:p>
@@ -677,7 +677,7 @@
           <a:p>
             <a:fld id="{4DC2F319-748E-48F9-AC95-1118F30D0E78}" type="datetimeFigureOut">
               <a:rPr lang="en-PH" smtClean="0"/>
-              <a:t>20/04/2023</a:t>
+              <a:t>20/05/2023</a:t>
             </a:fld>
             <a:endParaRPr lang="en-PH"/>
           </a:p>
@@ -877,7 +877,7 @@
           <a:p>
             <a:fld id="{4DC2F319-748E-48F9-AC95-1118F30D0E78}" type="datetimeFigureOut">
               <a:rPr lang="en-PH" smtClean="0"/>
-              <a:t>20/04/2023</a:t>
+              <a:t>20/05/2023</a:t>
             </a:fld>
             <a:endParaRPr lang="en-PH"/>
           </a:p>
@@ -1153,7 +1153,7 @@
           <a:p>
             <a:fld id="{4DC2F319-748E-48F9-AC95-1118F30D0E78}" type="datetimeFigureOut">
               <a:rPr lang="en-PH" smtClean="0"/>
-              <a:t>20/04/2023</a:t>
+              <a:t>20/05/2023</a:t>
             </a:fld>
             <a:endParaRPr lang="en-PH"/>
           </a:p>
@@ -1421,7 +1421,7 @@
           <a:p>
             <a:fld id="{4DC2F319-748E-48F9-AC95-1118F30D0E78}" type="datetimeFigureOut">
               <a:rPr lang="en-PH" smtClean="0"/>
-              <a:t>20/04/2023</a:t>
+              <a:t>20/05/2023</a:t>
             </a:fld>
             <a:endParaRPr lang="en-PH"/>
           </a:p>
@@ -1836,7 +1836,7 @@
           <a:p>
             <a:fld id="{4DC2F319-748E-48F9-AC95-1118F30D0E78}" type="datetimeFigureOut">
               <a:rPr lang="en-PH" smtClean="0"/>
-              <a:t>20/04/2023</a:t>
+              <a:t>20/05/2023</a:t>
             </a:fld>
             <a:endParaRPr lang="en-PH"/>
           </a:p>
@@ -1978,7 +1978,7 @@
           <a:p>
             <a:fld id="{4DC2F319-748E-48F9-AC95-1118F30D0E78}" type="datetimeFigureOut">
               <a:rPr lang="en-PH" smtClean="0"/>
-              <a:t>20/04/2023</a:t>
+              <a:t>20/05/2023</a:t>
             </a:fld>
             <a:endParaRPr lang="en-PH"/>
           </a:p>
@@ -2091,7 +2091,7 @@
           <a:p>
             <a:fld id="{4DC2F319-748E-48F9-AC95-1118F30D0E78}" type="datetimeFigureOut">
               <a:rPr lang="en-PH" smtClean="0"/>
-              <a:t>20/04/2023</a:t>
+              <a:t>20/05/2023</a:t>
             </a:fld>
             <a:endParaRPr lang="en-PH"/>
           </a:p>
@@ -2404,7 +2404,7 @@
           <a:p>
             <a:fld id="{4DC2F319-748E-48F9-AC95-1118F30D0E78}" type="datetimeFigureOut">
               <a:rPr lang="en-PH" smtClean="0"/>
-              <a:t>20/04/2023</a:t>
+              <a:t>20/05/2023</a:t>
             </a:fld>
             <a:endParaRPr lang="en-PH"/>
           </a:p>
@@ -2693,7 +2693,7 @@
           <a:p>
             <a:fld id="{4DC2F319-748E-48F9-AC95-1118F30D0E78}" type="datetimeFigureOut">
               <a:rPr lang="en-PH" smtClean="0"/>
-              <a:t>20/04/2023</a:t>
+              <a:t>20/05/2023</a:t>
             </a:fld>
             <a:endParaRPr lang="en-PH"/>
           </a:p>
@@ -2936,7 +2936,7 @@
           <a:p>
             <a:fld id="{4DC2F319-748E-48F9-AC95-1118F30D0E78}" type="datetimeFigureOut">
               <a:rPr lang="en-PH" smtClean="0"/>
-              <a:t>20/04/2023</a:t>
+              <a:t>20/05/2023</a:t>
             </a:fld>
             <a:endParaRPr lang="en-PH"/>
           </a:p>
@@ -4662,7 +4662,7 @@
         </p:nvCxnSpPr>
         <p:spPr>
           <a:xfrm>
-            <a:off x="7530084" y="4852416"/>
+            <a:off x="7546751" y="4852416"/>
             <a:ext cx="2755646" cy="0"/>
           </a:xfrm>
           <a:prstGeom prst="line">
@@ -4791,7 +4791,7 @@
         </p:nvCxnSpPr>
         <p:spPr>
           <a:xfrm>
-            <a:off x="7553325" y="4474241"/>
+            <a:off x="7549134" y="4490732"/>
             <a:ext cx="0" cy="370016"/>
           </a:xfrm>
           <a:prstGeom prst="line">
@@ -6097,8 +6097,8 @@
         </p:nvCxnSpPr>
         <p:spPr>
           <a:xfrm>
-            <a:off x="7724810" y="3873500"/>
-            <a:ext cx="0" cy="1178321"/>
+            <a:off x="7552281" y="4724400"/>
+            <a:ext cx="0" cy="327421"/>
           </a:xfrm>
           <a:prstGeom prst="line">
             <a:avLst/>
@@ -6140,8 +6140,8 @@
         </p:nvCxnSpPr>
         <p:spPr>
           <a:xfrm>
-            <a:off x="7724810" y="5051821"/>
-            <a:ext cx="2650582" cy="0"/>
+            <a:off x="7552281" y="5051821"/>
+            <a:ext cx="2823111" cy="0"/>
           </a:xfrm>
           <a:prstGeom prst="line">
             <a:avLst/>
